--- a/teaching/f15_cpsc217/Week_4_1.pptx
+++ b/teaching/f15_cpsc217/Week_4_1.pptx
@@ -4666,11 +4666,7 @@
             </a:br>
             <a:r>
               <a:rPr lang="en-US" dirty="0" smtClean="0"/>
-              <a:t>Week </a:t>
-            </a:r>
-            <a:r>
-              <a:rPr lang="en-US" dirty="0" smtClean="0"/>
-              <a:t>IV</a:t>
+              <a:t>Week IV</a:t>
             </a:r>
             <a:endParaRPr lang="en-US" dirty="0"/>
           </a:p>
@@ -4703,13 +4699,8 @@
             </a:pPr>
             <a:r>
               <a:rPr lang="en-US" b="1" dirty="0" smtClean="0"/>
-              <a:t>Part #1: </a:t>
+              <a:t>Part #1: Truth Table</a:t>
             </a:r>
-            <a:r>
-              <a:rPr lang="en-US" b="1" dirty="0" smtClean="0"/>
-              <a:t>Truth Table</a:t>
-            </a:r>
-            <a:endParaRPr lang="en-US" b="1" dirty="0" smtClean="0"/>
           </a:p>
           <a:p>
             <a:pPr>
@@ -9025,7 +9016,6 @@
               <a:rPr lang="en-US" dirty="0" smtClean="0"/>
               <a:t>Proving De Morgan’s Laws</a:t>
             </a:r>
-            <a:endParaRPr lang="en-US" dirty="0" smtClean="0"/>
           </a:p>
           <a:p>
             <a:pPr lvl="1"/>
@@ -9710,7 +9700,6 @@
               <a:rPr lang="en-CA" dirty="0"/>
               <a:t>not x and not y</a:t>
             </a:r>
-            <a:endParaRPr lang="en-CA" dirty="0"/>
           </a:p>
         </p:txBody>
       </p:sp>
@@ -15317,11 +15306,7 @@
           <a:p>
             <a:r>
               <a:rPr lang="en-US" dirty="0" smtClean="0"/>
-              <a:t>Democracy is a wonderful thing. Tired of your current government? Vote it out. Love your government? </a:t>
-            </a:r>
-            <a:r>
-              <a:rPr lang="en-US" dirty="0" smtClean="0"/>
-              <a:t>Vote to keep it!</a:t>
+              <a:t>Democracy is a wonderful thing. Tired of your current government? Vote it out. Love your government? Vote to keep it!</a:t>
             </a:r>
           </a:p>
           <a:p>
@@ -23767,7 +23752,6 @@
               <a:rPr lang="en-US" i="0" dirty="0" smtClean="0"/>
               <a:t>Therefore, I learned that voting is not a fundamental right – it can be taken away.</a:t>
             </a:r>
-            <a:endParaRPr lang="en-US" i="0" dirty="0" smtClean="0"/>
           </a:p>
         </p:txBody>
       </p:sp>
@@ -23971,12 +23955,12 @@
               <a:t>Beware of </a:t>
             </a:r>
             <a:r>
-              <a:rPr lang="en-CA" dirty="0" err="1" smtClean="0"/>
-              <a:t>DeMoragn’s</a:t>
+              <a:rPr lang="en-CA" dirty="0" smtClean="0"/>
+              <a:t>De Morgan’s </a:t>
             </a:r>
             <a:r>
               <a:rPr lang="en-CA" dirty="0" smtClean="0"/>
-              <a:t> law:</a:t>
+              <a:t>law:</a:t>
             </a:r>
           </a:p>
           <a:p>

--- a/teaching/f15_cpsc217/Week_4_1.pptx
+++ b/teaching/f15_cpsc217/Week_4_1.pptx
@@ -8732,7 +8732,6 @@
               <a:rPr lang="en-US" dirty="0" smtClean="0"/>
               <a:t>Voting</a:t>
             </a:r>
-            <a:endParaRPr lang="en-US" dirty="0" smtClean="0"/>
           </a:p>
           <a:p>
             <a:r>
@@ -23881,23 +23880,17 @@
             <a:pPr lvl="1"/>
             <a:r>
               <a:rPr lang="en-CA" dirty="0" smtClean="0"/>
-              <a:t>You don’t need to worry about De Morgan’s Law too much. I just use it because it’s fun.</a:t>
-            </a:r>
-          </a:p>
-          <a:p>
-            <a:r>
-              <a:rPr lang="en-CA" dirty="0" smtClean="0"/>
-              <a:t>You should thank me for not making any Rachel </a:t>
+              <a:t>You don’t need to worry about De Morgan’s Law too much. I just use it because it’s </a:t>
             </a:r>
             <a:r>
-              <a:rPr lang="en-CA" dirty="0" err="1" smtClean="0"/>
-              <a:t>Notley</a:t>
+              <a:rPr lang="en-CA" smtClean="0"/>
+              <a:t>fun</a:t>
             </a:r>
             <a:r>
-              <a:rPr lang="en-CA" dirty="0" smtClean="0"/>
-              <a:t> pun at any time during the tutorial.</a:t>
+              <a:rPr lang="en-CA" smtClean="0"/>
+              <a:t>.</a:t>
             </a:r>
-            <a:endParaRPr lang="en-CA" dirty="0"/>
+            <a:endParaRPr lang="en-CA" dirty="0" smtClean="0"/>
           </a:p>
         </p:txBody>
       </p:sp>
@@ -24316,11 +24309,7 @@
             <a:pPr lvl="1"/>
             <a:r>
               <a:rPr lang="en-CA" dirty="0" smtClean="0"/>
-              <a:t>not (x or y) = (not x) and (not y</a:t>
-            </a:r>
-            <a:r>
-              <a:rPr lang="en-CA" dirty="0" smtClean="0"/>
-              <a:t>)</a:t>
+              <a:t>not (x or y) = (not x) and (not y)</a:t>
             </a:r>
             <a:endParaRPr lang="en-CA" dirty="0"/>
           </a:p>
@@ -24380,7 +24369,6 @@
               <a:rPr lang="en-CA" dirty="0" smtClean="0"/>
               <a:t>I’m not allowed to help much on Bonus.</a:t>
             </a:r>
-            <a:endParaRPr lang="en-CA" dirty="0" smtClean="0"/>
           </a:p>
         </p:txBody>
       </p:sp>

--- a/teaching/f15_cpsc217/Week_4_1.pptx
+++ b/teaching/f15_cpsc217/Week_4_1.pptx
@@ -4823,7 +4823,7 @@
             <p:ph sz="half" idx="2"/>
             <p:extLst>
               <p:ext uri="{D42A27DB-BD31-4B8C-83A1-F6EECF244321}">
-                <p14:modId xmlns:p14="http://schemas.microsoft.com/office/powerpoint/2010/main" val="1631679471"/>
+                <p14:modId xmlns:p14="http://schemas.microsoft.com/office/powerpoint/2010/main" val="1170725220"/>
               </p:ext>
             </p:extLst>
           </p:nvPr>
@@ -4898,35 +4898,35 @@
                     <a:p>
                       <a:pPr algn="ctr"/>
                       <a:r>
-                        <a:rPr lang="en-CA" dirty="0" smtClean="0">
-                          <a:solidFill>
-                            <a:schemeClr val="tx1"/>
-                          </a:solidFill>
-                        </a:rPr>
-                        <a:t>0</a:t>
-                      </a:r>
-                      <a:endParaRPr lang="en-CA" dirty="0">
-                        <a:solidFill>
-                          <a:schemeClr val="tx1"/>
-                        </a:solidFill>
-                      </a:endParaRPr>
-                    </a:p>
-                  </a:txBody>
-                  <a:tcPr/>
-                </a:tc>
-                <a:tc>
-                  <a:txBody>
-                    <a:bodyPr/>
-                    <a:lstStyle/>
-                    <a:p>
-                      <a:pPr algn="ctr"/>
-                      <a:r>
-                        <a:rPr lang="en-CA" dirty="0" smtClean="0">
-                          <a:solidFill>
-                            <a:schemeClr val="tx1"/>
-                          </a:solidFill>
-                        </a:rPr>
-                        <a:t>1</a:t>
+                        <a:rPr lang="en-US" dirty="0" smtClean="0">
+                          <a:solidFill>
+                            <a:schemeClr val="tx1"/>
+                          </a:solidFill>
+                        </a:rPr>
+                        <a:t>F</a:t>
+                      </a:r>
+                      <a:endParaRPr lang="en-CA" dirty="0">
+                        <a:solidFill>
+                          <a:schemeClr val="tx1"/>
+                        </a:solidFill>
+                      </a:endParaRPr>
+                    </a:p>
+                  </a:txBody>
+                  <a:tcPr/>
+                </a:tc>
+                <a:tc>
+                  <a:txBody>
+                    <a:bodyPr/>
+                    <a:lstStyle/>
+                    <a:p>
+                      <a:pPr algn="ctr"/>
+                      <a:r>
+                        <a:rPr lang="en-US" dirty="0" smtClean="0">
+                          <a:solidFill>
+                            <a:schemeClr val="tx1"/>
+                          </a:solidFill>
+                        </a:rPr>
+                        <a:t>T</a:t>
                       </a:r>
                       <a:endParaRPr lang="en-CA" dirty="0">
                         <a:solidFill>
@@ -4946,35 +4946,35 @@
                     <a:p>
                       <a:pPr algn="ctr"/>
                       <a:r>
-                        <a:rPr lang="en-CA" dirty="0" smtClean="0">
-                          <a:solidFill>
-                            <a:schemeClr val="tx1"/>
-                          </a:solidFill>
-                        </a:rPr>
-                        <a:t>1</a:t>
-                      </a:r>
-                      <a:endParaRPr lang="en-CA" dirty="0">
-                        <a:solidFill>
-                          <a:schemeClr val="tx1"/>
-                        </a:solidFill>
-                      </a:endParaRPr>
-                    </a:p>
-                  </a:txBody>
-                  <a:tcPr/>
-                </a:tc>
-                <a:tc>
-                  <a:txBody>
-                    <a:bodyPr/>
-                    <a:lstStyle/>
-                    <a:p>
-                      <a:pPr algn="ctr"/>
-                      <a:r>
-                        <a:rPr lang="en-CA" dirty="0" smtClean="0">
-                          <a:solidFill>
-                            <a:schemeClr val="tx1"/>
-                          </a:solidFill>
-                        </a:rPr>
-                        <a:t>0</a:t>
+                        <a:rPr lang="en-US" dirty="0" smtClean="0">
+                          <a:solidFill>
+                            <a:schemeClr val="tx1"/>
+                          </a:solidFill>
+                        </a:rPr>
+                        <a:t>T</a:t>
+                      </a:r>
+                      <a:endParaRPr lang="en-CA" dirty="0">
+                        <a:solidFill>
+                          <a:schemeClr val="tx1"/>
+                        </a:solidFill>
+                      </a:endParaRPr>
+                    </a:p>
+                  </a:txBody>
+                  <a:tcPr/>
+                </a:tc>
+                <a:tc>
+                  <a:txBody>
+                    <a:bodyPr/>
+                    <a:lstStyle/>
+                    <a:p>
+                      <a:pPr algn="ctr"/>
+                      <a:r>
+                        <a:rPr lang="en-US" dirty="0" smtClean="0">
+                          <a:solidFill>
+                            <a:schemeClr val="tx1"/>
+                          </a:solidFill>
+                        </a:rPr>
+                        <a:t>F</a:t>
                       </a:r>
                       <a:endParaRPr lang="en-CA" dirty="0">
                         <a:solidFill>
@@ -5081,8 +5081,13 @@
             <a:pPr lvl="1"/>
             <a:r>
               <a:rPr lang="en-CA" dirty="0" smtClean="0"/>
-              <a:t>Otherwise false.</a:t>
+              <a:t>Otherwise </a:t>
             </a:r>
+            <a:r>
+              <a:rPr lang="en-CA" dirty="0" smtClean="0"/>
+              <a:t>F.</a:t>
+            </a:r>
+            <a:endParaRPr lang="en-CA" dirty="0" smtClean="0"/>
           </a:p>
         </p:txBody>
       </p:sp>
@@ -5094,6 +5099,11 @@
           </p:cNvGraphicFramePr>
           <p:nvPr>
             <p:ph sz="half" idx="2"/>
+            <p:extLst>
+              <p:ext uri="{D42A27DB-BD31-4B8C-83A1-F6EECF244321}">
+                <p14:modId xmlns:p14="http://schemas.microsoft.com/office/powerpoint/2010/main" val="2712506197"/>
+              </p:ext>
+            </p:extLst>
           </p:nvPr>
         </p:nvGraphicFramePr>
         <p:xfrm>
@@ -5211,53 +5221,53 @@
                             <a:schemeClr val="tx1"/>
                           </a:solidFill>
                         </a:rPr>
-                        <a:t>0</a:t>
-                      </a:r>
-                      <a:endParaRPr lang="en-CA" dirty="0">
-                        <a:solidFill>
-                          <a:schemeClr val="tx1"/>
-                        </a:solidFill>
-                      </a:endParaRPr>
-                    </a:p>
-                  </a:txBody>
-                  <a:tcPr/>
-                </a:tc>
-                <a:tc>
-                  <a:txBody>
-                    <a:bodyPr/>
-                    <a:lstStyle/>
-                    <a:p>
-                      <a:pPr algn="ctr"/>
-                      <a:r>
-                        <a:rPr lang="en-CA" dirty="0" smtClean="0">
-                          <a:solidFill>
-                            <a:schemeClr val="tx1"/>
-                          </a:solidFill>
-                        </a:rPr>
-                        <a:t>0</a:t>
-                      </a:r>
-                      <a:endParaRPr lang="en-CA" dirty="0">
-                        <a:solidFill>
-                          <a:schemeClr val="tx1"/>
-                        </a:solidFill>
-                      </a:endParaRPr>
-                    </a:p>
-                  </a:txBody>
-                  <a:tcPr/>
-                </a:tc>
-                <a:tc>
-                  <a:txBody>
-                    <a:bodyPr/>
-                    <a:lstStyle/>
-                    <a:p>
-                      <a:pPr algn="ctr"/>
-                      <a:r>
-                        <a:rPr lang="en-CA" dirty="0" smtClean="0">
-                          <a:solidFill>
-                            <a:schemeClr val="tx1"/>
-                          </a:solidFill>
-                        </a:rPr>
-                        <a:t>0</a:t>
+                        <a:t>F</a:t>
+                      </a:r>
+                      <a:endParaRPr lang="en-CA" dirty="0">
+                        <a:solidFill>
+                          <a:schemeClr val="tx1"/>
+                        </a:solidFill>
+                      </a:endParaRPr>
+                    </a:p>
+                  </a:txBody>
+                  <a:tcPr/>
+                </a:tc>
+                <a:tc>
+                  <a:txBody>
+                    <a:bodyPr/>
+                    <a:lstStyle/>
+                    <a:p>
+                      <a:pPr algn="ctr"/>
+                      <a:r>
+                        <a:rPr lang="en-CA" dirty="0" smtClean="0">
+                          <a:solidFill>
+                            <a:schemeClr val="tx1"/>
+                          </a:solidFill>
+                        </a:rPr>
+                        <a:t>F</a:t>
+                      </a:r>
+                      <a:endParaRPr lang="en-CA" dirty="0">
+                        <a:solidFill>
+                          <a:schemeClr val="tx1"/>
+                        </a:solidFill>
+                      </a:endParaRPr>
+                    </a:p>
+                  </a:txBody>
+                  <a:tcPr/>
+                </a:tc>
+                <a:tc>
+                  <a:txBody>
+                    <a:bodyPr/>
+                    <a:lstStyle/>
+                    <a:p>
+                      <a:pPr algn="ctr"/>
+                      <a:r>
+                        <a:rPr lang="en-CA" dirty="0" smtClean="0">
+                          <a:solidFill>
+                            <a:schemeClr val="tx1"/>
+                          </a:solidFill>
+                        </a:rPr>
+                        <a:t>F</a:t>
                       </a:r>
                       <a:endParaRPr lang="en-CA" dirty="0">
                         <a:solidFill>
@@ -5282,53 +5292,53 @@
                             <a:schemeClr val="tx1"/>
                           </a:solidFill>
                         </a:rPr>
-                        <a:t>0</a:t>
-                      </a:r>
-                      <a:endParaRPr lang="en-CA" dirty="0">
-                        <a:solidFill>
-                          <a:schemeClr val="tx1"/>
-                        </a:solidFill>
-                      </a:endParaRPr>
-                    </a:p>
-                  </a:txBody>
-                  <a:tcPr/>
-                </a:tc>
-                <a:tc>
-                  <a:txBody>
-                    <a:bodyPr/>
-                    <a:lstStyle/>
-                    <a:p>
-                      <a:pPr algn="ctr"/>
-                      <a:r>
-                        <a:rPr lang="en-CA" dirty="0" smtClean="0">
-                          <a:solidFill>
-                            <a:schemeClr val="tx1"/>
-                          </a:solidFill>
-                        </a:rPr>
-                        <a:t>1</a:t>
-                      </a:r>
-                      <a:endParaRPr lang="en-CA" dirty="0">
-                        <a:solidFill>
-                          <a:schemeClr val="tx1"/>
-                        </a:solidFill>
-                      </a:endParaRPr>
-                    </a:p>
-                  </a:txBody>
-                  <a:tcPr/>
-                </a:tc>
-                <a:tc>
-                  <a:txBody>
-                    <a:bodyPr/>
-                    <a:lstStyle/>
-                    <a:p>
-                      <a:pPr algn="ctr"/>
-                      <a:r>
-                        <a:rPr lang="en-CA" dirty="0" smtClean="0">
-                          <a:solidFill>
-                            <a:schemeClr val="tx1"/>
-                          </a:solidFill>
-                        </a:rPr>
-                        <a:t>1</a:t>
+                        <a:t>F</a:t>
+                      </a:r>
+                      <a:endParaRPr lang="en-CA" dirty="0">
+                        <a:solidFill>
+                          <a:schemeClr val="tx1"/>
+                        </a:solidFill>
+                      </a:endParaRPr>
+                    </a:p>
+                  </a:txBody>
+                  <a:tcPr/>
+                </a:tc>
+                <a:tc>
+                  <a:txBody>
+                    <a:bodyPr/>
+                    <a:lstStyle/>
+                    <a:p>
+                      <a:pPr algn="ctr"/>
+                      <a:r>
+                        <a:rPr lang="en-CA" dirty="0" smtClean="0">
+                          <a:solidFill>
+                            <a:schemeClr val="tx1"/>
+                          </a:solidFill>
+                        </a:rPr>
+                        <a:t>T</a:t>
+                      </a:r>
+                      <a:endParaRPr lang="en-CA" dirty="0">
+                        <a:solidFill>
+                          <a:schemeClr val="tx1"/>
+                        </a:solidFill>
+                      </a:endParaRPr>
+                    </a:p>
+                  </a:txBody>
+                  <a:tcPr/>
+                </a:tc>
+                <a:tc>
+                  <a:txBody>
+                    <a:bodyPr/>
+                    <a:lstStyle/>
+                    <a:p>
+                      <a:pPr algn="ctr"/>
+                      <a:r>
+                        <a:rPr lang="en-CA" dirty="0" smtClean="0">
+                          <a:solidFill>
+                            <a:schemeClr val="tx1"/>
+                          </a:solidFill>
+                        </a:rPr>
+                        <a:t>T</a:t>
                       </a:r>
                       <a:endParaRPr lang="en-CA" dirty="0">
                         <a:solidFill>
@@ -5353,53 +5363,53 @@
                             <a:schemeClr val="tx1"/>
                           </a:solidFill>
                         </a:rPr>
-                        <a:t>1</a:t>
-                      </a:r>
-                      <a:endParaRPr lang="en-CA" dirty="0">
-                        <a:solidFill>
-                          <a:schemeClr val="tx1"/>
-                        </a:solidFill>
-                      </a:endParaRPr>
-                    </a:p>
-                  </a:txBody>
-                  <a:tcPr/>
-                </a:tc>
-                <a:tc>
-                  <a:txBody>
-                    <a:bodyPr/>
-                    <a:lstStyle/>
-                    <a:p>
-                      <a:pPr algn="ctr"/>
-                      <a:r>
-                        <a:rPr lang="en-CA" dirty="0" smtClean="0">
-                          <a:solidFill>
-                            <a:schemeClr val="tx1"/>
-                          </a:solidFill>
-                        </a:rPr>
-                        <a:t>0</a:t>
-                      </a:r>
-                      <a:endParaRPr lang="en-CA" dirty="0">
-                        <a:solidFill>
-                          <a:schemeClr val="tx1"/>
-                        </a:solidFill>
-                      </a:endParaRPr>
-                    </a:p>
-                  </a:txBody>
-                  <a:tcPr/>
-                </a:tc>
-                <a:tc>
-                  <a:txBody>
-                    <a:bodyPr/>
-                    <a:lstStyle/>
-                    <a:p>
-                      <a:pPr algn="ctr"/>
-                      <a:r>
-                        <a:rPr lang="en-CA" dirty="0" smtClean="0">
-                          <a:solidFill>
-                            <a:schemeClr val="tx1"/>
-                          </a:solidFill>
-                        </a:rPr>
-                        <a:t>1</a:t>
+                        <a:t>T</a:t>
+                      </a:r>
+                      <a:endParaRPr lang="en-CA" dirty="0">
+                        <a:solidFill>
+                          <a:schemeClr val="tx1"/>
+                        </a:solidFill>
+                      </a:endParaRPr>
+                    </a:p>
+                  </a:txBody>
+                  <a:tcPr/>
+                </a:tc>
+                <a:tc>
+                  <a:txBody>
+                    <a:bodyPr/>
+                    <a:lstStyle/>
+                    <a:p>
+                      <a:pPr algn="ctr"/>
+                      <a:r>
+                        <a:rPr lang="en-CA" dirty="0" smtClean="0">
+                          <a:solidFill>
+                            <a:schemeClr val="tx1"/>
+                          </a:solidFill>
+                        </a:rPr>
+                        <a:t>F</a:t>
+                      </a:r>
+                      <a:endParaRPr lang="en-CA" dirty="0">
+                        <a:solidFill>
+                          <a:schemeClr val="tx1"/>
+                        </a:solidFill>
+                      </a:endParaRPr>
+                    </a:p>
+                  </a:txBody>
+                  <a:tcPr/>
+                </a:tc>
+                <a:tc>
+                  <a:txBody>
+                    <a:bodyPr/>
+                    <a:lstStyle/>
+                    <a:p>
+                      <a:pPr algn="ctr"/>
+                      <a:r>
+                        <a:rPr lang="en-CA" dirty="0" smtClean="0">
+                          <a:solidFill>
+                            <a:schemeClr val="tx1"/>
+                          </a:solidFill>
+                        </a:rPr>
+                        <a:t>T</a:t>
                       </a:r>
                       <a:endParaRPr lang="en-CA" dirty="0">
                         <a:solidFill>
@@ -5424,53 +5434,53 @@
                             <a:schemeClr val="tx1"/>
                           </a:solidFill>
                         </a:rPr>
-                        <a:t>1</a:t>
-                      </a:r>
-                      <a:endParaRPr lang="en-CA" dirty="0">
-                        <a:solidFill>
-                          <a:schemeClr val="tx1"/>
-                        </a:solidFill>
-                      </a:endParaRPr>
-                    </a:p>
-                  </a:txBody>
-                  <a:tcPr/>
-                </a:tc>
-                <a:tc>
-                  <a:txBody>
-                    <a:bodyPr/>
-                    <a:lstStyle/>
-                    <a:p>
-                      <a:pPr algn="ctr"/>
-                      <a:r>
-                        <a:rPr lang="en-CA" dirty="0" smtClean="0">
-                          <a:solidFill>
-                            <a:schemeClr val="tx1"/>
-                          </a:solidFill>
-                        </a:rPr>
-                        <a:t>1</a:t>
-                      </a:r>
-                      <a:endParaRPr lang="en-CA" dirty="0">
-                        <a:solidFill>
-                          <a:schemeClr val="tx1"/>
-                        </a:solidFill>
-                      </a:endParaRPr>
-                    </a:p>
-                  </a:txBody>
-                  <a:tcPr/>
-                </a:tc>
-                <a:tc>
-                  <a:txBody>
-                    <a:bodyPr/>
-                    <a:lstStyle/>
-                    <a:p>
-                      <a:pPr algn="ctr"/>
-                      <a:r>
-                        <a:rPr lang="en-CA" dirty="0" smtClean="0">
-                          <a:solidFill>
-                            <a:schemeClr val="tx1"/>
-                          </a:solidFill>
-                        </a:rPr>
-                        <a:t>0</a:t>
+                        <a:t>T</a:t>
+                      </a:r>
+                      <a:endParaRPr lang="en-CA" dirty="0">
+                        <a:solidFill>
+                          <a:schemeClr val="tx1"/>
+                        </a:solidFill>
+                      </a:endParaRPr>
+                    </a:p>
+                  </a:txBody>
+                  <a:tcPr/>
+                </a:tc>
+                <a:tc>
+                  <a:txBody>
+                    <a:bodyPr/>
+                    <a:lstStyle/>
+                    <a:p>
+                      <a:pPr algn="ctr"/>
+                      <a:r>
+                        <a:rPr lang="en-CA" dirty="0" smtClean="0">
+                          <a:solidFill>
+                            <a:schemeClr val="tx1"/>
+                          </a:solidFill>
+                        </a:rPr>
+                        <a:t>T</a:t>
+                      </a:r>
+                      <a:endParaRPr lang="en-CA" dirty="0">
+                        <a:solidFill>
+                          <a:schemeClr val="tx1"/>
+                        </a:solidFill>
+                      </a:endParaRPr>
+                    </a:p>
+                  </a:txBody>
+                  <a:tcPr/>
+                </a:tc>
+                <a:tc>
+                  <a:txBody>
+                    <a:bodyPr/>
+                    <a:lstStyle/>
+                    <a:p>
+                      <a:pPr algn="ctr"/>
+                      <a:r>
+                        <a:rPr lang="en-CA" dirty="0" smtClean="0">
+                          <a:solidFill>
+                            <a:schemeClr val="tx1"/>
+                          </a:solidFill>
+                        </a:rPr>
+                        <a:t>F</a:t>
                       </a:r>
                       <a:endParaRPr lang="en-CA" dirty="0">
                         <a:solidFill>
@@ -12817,7 +12827,15 @@
           <a:p>
             <a:r>
               <a:rPr lang="en-CA" dirty="0" smtClean="0"/>
-              <a:t>How many row do you need for three variables?</a:t>
+              <a:t>How many </a:t>
+            </a:r>
+            <a:r>
+              <a:rPr lang="en-CA" dirty="0" smtClean="0"/>
+              <a:t>rows </a:t>
+            </a:r>
+            <a:r>
+              <a:rPr lang="en-CA" dirty="0" smtClean="0"/>
+              <a:t>do you need for three variables?</a:t>
             </a:r>
           </a:p>
           <a:p>
@@ -23880,17 +23898,8 @@
             <a:pPr lvl="1"/>
             <a:r>
               <a:rPr lang="en-CA" dirty="0" smtClean="0"/>
-              <a:t>You don’t need to worry about De Morgan’s Law too much. I just use it because it’s </a:t>
+              <a:t>You don’t need to worry about De Morgan’s Law too much. I just use it because it’s fun.</a:t>
             </a:r>
-            <a:r>
-              <a:rPr lang="en-CA" smtClean="0"/>
-              <a:t>fun</a:t>
-            </a:r>
-            <a:r>
-              <a:rPr lang="en-CA" smtClean="0"/>
-              <a:t>.</a:t>
-            </a:r>
-            <a:endParaRPr lang="en-CA" dirty="0" smtClean="0"/>
           </a:p>
         </p:txBody>
       </p:sp>
@@ -24345,11 +24354,11 @@
             <a:pPr marL="1257300" lvl="2" indent="-457200"/>
             <a:r>
               <a:rPr lang="en-CA" dirty="0" smtClean="0"/>
-              <a:t>Translated y </a:t>
+              <a:t>Translated y = </a:t>
             </a:r>
             <a:r>
-              <a:rPr lang="en-CA" smtClean="0"/>
-              <a:t>= 30y </a:t>
+              <a:rPr lang="en-CA" dirty="0" smtClean="0"/>
+              <a:t>-30y </a:t>
             </a:r>
             <a:r>
               <a:rPr lang="en-CA" dirty="0" smtClean="0"/>
@@ -24452,15 +24461,25 @@
             <a:pPr lvl="1"/>
             <a:r>
               <a:rPr lang="en-CA" dirty="0" smtClean="0"/>
-              <a:t>Return T if at least one of the variables is true.</a:t>
+              <a:t>Return T if at least one of the variables is </a:t>
             </a:r>
+            <a:r>
+              <a:rPr lang="en-CA" dirty="0" smtClean="0"/>
+              <a:t>T.</a:t>
+            </a:r>
+            <a:endParaRPr lang="en-CA" dirty="0" smtClean="0"/>
           </a:p>
           <a:p>
             <a:pPr lvl="1"/>
             <a:r>
               <a:rPr lang="en-CA" dirty="0" smtClean="0"/>
-              <a:t>Otherwise false.</a:t>
+              <a:t>Otherwise </a:t>
             </a:r>
+            <a:r>
+              <a:rPr lang="en-CA" dirty="0" smtClean="0"/>
+              <a:t>F.</a:t>
+            </a:r>
+            <a:endParaRPr lang="en-CA" dirty="0" smtClean="0"/>
           </a:p>
         </p:txBody>
       </p:sp>
@@ -24474,7 +24493,7 @@
             <p:ph sz="half" idx="2"/>
             <p:extLst>
               <p:ext uri="{D42A27DB-BD31-4B8C-83A1-F6EECF244321}">
-                <p14:modId xmlns:p14="http://schemas.microsoft.com/office/powerpoint/2010/main" val="3275571042"/>
+                <p14:modId xmlns:p14="http://schemas.microsoft.com/office/powerpoint/2010/main" val="2402523377"/>
               </p:ext>
             </p:extLst>
           </p:nvPr>
@@ -24578,53 +24597,53 @@
                             <a:schemeClr val="tx1"/>
                           </a:solidFill>
                         </a:rPr>
-                        <a:t>0</a:t>
-                      </a:r>
-                      <a:endParaRPr lang="en-CA" dirty="0">
-                        <a:solidFill>
-                          <a:schemeClr val="tx1"/>
-                        </a:solidFill>
-                      </a:endParaRPr>
-                    </a:p>
-                  </a:txBody>
-                  <a:tcPr/>
-                </a:tc>
-                <a:tc>
-                  <a:txBody>
-                    <a:bodyPr/>
-                    <a:lstStyle/>
-                    <a:p>
-                      <a:pPr algn="ctr"/>
-                      <a:r>
-                        <a:rPr lang="en-CA" dirty="0" smtClean="0">
-                          <a:solidFill>
-                            <a:schemeClr val="tx1"/>
-                          </a:solidFill>
-                        </a:rPr>
-                        <a:t>0</a:t>
-                      </a:r>
-                      <a:endParaRPr lang="en-CA" dirty="0">
-                        <a:solidFill>
-                          <a:schemeClr val="tx1"/>
-                        </a:solidFill>
-                      </a:endParaRPr>
-                    </a:p>
-                  </a:txBody>
-                  <a:tcPr/>
-                </a:tc>
-                <a:tc>
-                  <a:txBody>
-                    <a:bodyPr/>
-                    <a:lstStyle/>
-                    <a:p>
-                      <a:pPr algn="ctr"/>
-                      <a:r>
-                        <a:rPr lang="en-CA" dirty="0" smtClean="0">
-                          <a:solidFill>
-                            <a:schemeClr val="tx1"/>
-                          </a:solidFill>
-                        </a:rPr>
-                        <a:t>0</a:t>
+                        <a:t>F</a:t>
+                      </a:r>
+                      <a:endParaRPr lang="en-CA" dirty="0">
+                        <a:solidFill>
+                          <a:schemeClr val="tx1"/>
+                        </a:solidFill>
+                      </a:endParaRPr>
+                    </a:p>
+                  </a:txBody>
+                  <a:tcPr/>
+                </a:tc>
+                <a:tc>
+                  <a:txBody>
+                    <a:bodyPr/>
+                    <a:lstStyle/>
+                    <a:p>
+                      <a:pPr algn="ctr"/>
+                      <a:r>
+                        <a:rPr lang="en-US" dirty="0" smtClean="0">
+                          <a:solidFill>
+                            <a:schemeClr val="tx1"/>
+                          </a:solidFill>
+                        </a:rPr>
+                        <a:t>F</a:t>
+                      </a:r>
+                      <a:endParaRPr lang="en-CA" dirty="0">
+                        <a:solidFill>
+                          <a:schemeClr val="tx1"/>
+                        </a:solidFill>
+                      </a:endParaRPr>
+                    </a:p>
+                  </a:txBody>
+                  <a:tcPr/>
+                </a:tc>
+                <a:tc>
+                  <a:txBody>
+                    <a:bodyPr/>
+                    <a:lstStyle/>
+                    <a:p>
+                      <a:pPr algn="ctr"/>
+                      <a:r>
+                        <a:rPr lang="en-US" dirty="0" smtClean="0">
+                          <a:solidFill>
+                            <a:schemeClr val="tx1"/>
+                          </a:solidFill>
+                        </a:rPr>
+                        <a:t>F</a:t>
                       </a:r>
                       <a:endParaRPr lang="en-CA" dirty="0">
                         <a:solidFill>
@@ -24644,58 +24663,58 @@
                     <a:p>
                       <a:pPr algn="ctr"/>
                       <a:r>
-                        <a:rPr lang="en-CA" dirty="0" smtClean="0">
-                          <a:solidFill>
-                            <a:schemeClr val="tx1"/>
-                          </a:solidFill>
-                        </a:rPr>
-                        <a:t>0</a:t>
-                      </a:r>
-                      <a:endParaRPr lang="en-CA" dirty="0">
-                        <a:solidFill>
-                          <a:schemeClr val="tx1"/>
-                        </a:solidFill>
-                      </a:endParaRPr>
-                    </a:p>
-                  </a:txBody>
-                  <a:tcPr/>
-                </a:tc>
-                <a:tc>
-                  <a:txBody>
-                    <a:bodyPr/>
-                    <a:lstStyle/>
-                    <a:p>
-                      <a:pPr algn="ctr"/>
-                      <a:r>
-                        <a:rPr lang="en-CA" dirty="0" smtClean="0">
-                          <a:solidFill>
-                            <a:schemeClr val="tx1"/>
-                          </a:solidFill>
-                        </a:rPr>
-                        <a:t>1</a:t>
-                      </a:r>
-                      <a:endParaRPr lang="en-CA" dirty="0">
-                        <a:solidFill>
-                          <a:schemeClr val="tx1"/>
-                        </a:solidFill>
-                      </a:endParaRPr>
-                    </a:p>
-                  </a:txBody>
-                  <a:tcPr/>
-                </a:tc>
-                <a:tc>
-                  <a:txBody>
-                    <a:bodyPr/>
-                    <a:lstStyle/>
-                    <a:p>
-                      <a:pPr algn="ctr"/>
-                      <a:r>
-                        <a:rPr lang="en-CA" dirty="0" smtClean="0">
-                          <a:solidFill>
-                            <a:schemeClr val="tx1"/>
-                          </a:solidFill>
-                        </a:rPr>
-                        <a:t>1</a:t>
+                        <a:rPr lang="en-US" dirty="0" smtClean="0">
+                          <a:solidFill>
+                            <a:schemeClr val="tx1"/>
+                          </a:solidFill>
+                        </a:rPr>
+                        <a:t>F</a:t>
+                      </a:r>
+                      <a:endParaRPr lang="en-CA" dirty="0">
+                        <a:solidFill>
+                          <a:schemeClr val="tx1"/>
+                        </a:solidFill>
+                      </a:endParaRPr>
+                    </a:p>
+                  </a:txBody>
+                  <a:tcPr/>
+                </a:tc>
+                <a:tc>
+                  <a:txBody>
+                    <a:bodyPr/>
+                    <a:lstStyle/>
+                    <a:p>
+                      <a:pPr algn="ctr"/>
+                      <a:r>
+                        <a:rPr lang="en-US" dirty="0" smtClean="0">
+                          <a:solidFill>
+                            <a:schemeClr val="tx1"/>
+                          </a:solidFill>
+                        </a:rPr>
+                        <a:t>T</a:t>
+                      </a:r>
+                      <a:endParaRPr lang="en-CA" dirty="0">
+                        <a:solidFill>
+                          <a:schemeClr val="tx1"/>
+                        </a:solidFill>
+                      </a:endParaRPr>
+                    </a:p>
+                  </a:txBody>
+                  <a:tcPr/>
+                </a:tc>
+                <a:tc>
+                  <a:txBody>
+                    <a:bodyPr/>
+                    <a:lstStyle/>
+                    <a:p>
+                      <a:pPr algn="ctr"/>
+                      <a:r>
+                        <a:rPr lang="en-US" dirty="0" smtClean="0">
+                          <a:solidFill>
+                            <a:schemeClr val="tx1"/>
+                          </a:solidFill>
+                        </a:rPr>
+                        <a:t>T</a:t>
                       </a:r>
                       <a:endParaRPr lang="en-CA" dirty="0">
                         <a:solidFill>
@@ -24715,58 +24734,58 @@
                     <a:p>
                       <a:pPr algn="ctr"/>
                       <a:r>
-                        <a:rPr lang="en-CA" dirty="0" smtClean="0">
-                          <a:solidFill>
-                            <a:schemeClr val="tx1"/>
-                          </a:solidFill>
-                        </a:rPr>
-                        <a:t>1</a:t>
-                      </a:r>
-                      <a:endParaRPr lang="en-CA" dirty="0">
-                        <a:solidFill>
-                          <a:schemeClr val="tx1"/>
-                        </a:solidFill>
-                      </a:endParaRPr>
-                    </a:p>
-                  </a:txBody>
-                  <a:tcPr/>
-                </a:tc>
-                <a:tc>
-                  <a:txBody>
-                    <a:bodyPr/>
-                    <a:lstStyle/>
-                    <a:p>
-                      <a:pPr algn="ctr"/>
-                      <a:r>
-                        <a:rPr lang="en-CA" dirty="0" smtClean="0">
-                          <a:solidFill>
-                            <a:schemeClr val="tx1"/>
-                          </a:solidFill>
-                        </a:rPr>
-                        <a:t>0</a:t>
-                      </a:r>
-                      <a:endParaRPr lang="en-CA" dirty="0">
-                        <a:solidFill>
-                          <a:schemeClr val="tx1"/>
-                        </a:solidFill>
-                      </a:endParaRPr>
-                    </a:p>
-                  </a:txBody>
-                  <a:tcPr/>
-                </a:tc>
-                <a:tc>
-                  <a:txBody>
-                    <a:bodyPr/>
-                    <a:lstStyle/>
-                    <a:p>
-                      <a:pPr algn="ctr"/>
-                      <a:r>
-                        <a:rPr lang="en-CA" dirty="0" smtClean="0">
-                          <a:solidFill>
-                            <a:schemeClr val="tx1"/>
-                          </a:solidFill>
-                        </a:rPr>
-                        <a:t>1</a:t>
+                        <a:rPr lang="en-US" dirty="0" smtClean="0">
+                          <a:solidFill>
+                            <a:schemeClr val="tx1"/>
+                          </a:solidFill>
+                        </a:rPr>
+                        <a:t>T</a:t>
+                      </a:r>
+                      <a:endParaRPr lang="en-CA" dirty="0">
+                        <a:solidFill>
+                          <a:schemeClr val="tx1"/>
+                        </a:solidFill>
+                      </a:endParaRPr>
+                    </a:p>
+                  </a:txBody>
+                  <a:tcPr/>
+                </a:tc>
+                <a:tc>
+                  <a:txBody>
+                    <a:bodyPr/>
+                    <a:lstStyle/>
+                    <a:p>
+                      <a:pPr algn="ctr"/>
+                      <a:r>
+                        <a:rPr lang="en-US" dirty="0" smtClean="0">
+                          <a:solidFill>
+                            <a:schemeClr val="tx1"/>
+                          </a:solidFill>
+                        </a:rPr>
+                        <a:t>T</a:t>
+                      </a:r>
+                      <a:endParaRPr lang="en-CA" dirty="0">
+                        <a:solidFill>
+                          <a:schemeClr val="tx1"/>
+                        </a:solidFill>
+                      </a:endParaRPr>
+                    </a:p>
+                  </a:txBody>
+                  <a:tcPr/>
+                </a:tc>
+                <a:tc>
+                  <a:txBody>
+                    <a:bodyPr/>
+                    <a:lstStyle/>
+                    <a:p>
+                      <a:pPr algn="ctr"/>
+                      <a:r>
+                        <a:rPr lang="en-US" dirty="0" smtClean="0">
+                          <a:solidFill>
+                            <a:schemeClr val="tx1"/>
+                          </a:solidFill>
+                        </a:rPr>
+                        <a:t>T</a:t>
                       </a:r>
                       <a:endParaRPr lang="en-CA" dirty="0">
                         <a:solidFill>
@@ -24786,58 +24805,58 @@
                     <a:p>
                       <a:pPr algn="ctr"/>
                       <a:r>
-                        <a:rPr lang="en-CA" dirty="0" smtClean="0">
-                          <a:solidFill>
-                            <a:schemeClr val="tx1"/>
-                          </a:solidFill>
-                        </a:rPr>
-                        <a:t>1</a:t>
-                      </a:r>
-                      <a:endParaRPr lang="en-CA" dirty="0">
-                        <a:solidFill>
-                          <a:schemeClr val="tx1"/>
-                        </a:solidFill>
-                      </a:endParaRPr>
-                    </a:p>
-                  </a:txBody>
-                  <a:tcPr/>
-                </a:tc>
-                <a:tc>
-                  <a:txBody>
-                    <a:bodyPr/>
-                    <a:lstStyle/>
-                    <a:p>
-                      <a:pPr algn="ctr"/>
-                      <a:r>
-                        <a:rPr lang="en-CA" dirty="0" smtClean="0">
-                          <a:solidFill>
-                            <a:schemeClr val="tx1"/>
-                          </a:solidFill>
-                        </a:rPr>
-                        <a:t>1</a:t>
-                      </a:r>
-                      <a:endParaRPr lang="en-CA" dirty="0">
-                        <a:solidFill>
-                          <a:schemeClr val="tx1"/>
-                        </a:solidFill>
-                      </a:endParaRPr>
-                    </a:p>
-                  </a:txBody>
-                  <a:tcPr/>
-                </a:tc>
-                <a:tc>
-                  <a:txBody>
-                    <a:bodyPr/>
-                    <a:lstStyle/>
-                    <a:p>
-                      <a:pPr algn="ctr"/>
-                      <a:r>
-                        <a:rPr lang="en-CA" dirty="0" smtClean="0">
-                          <a:solidFill>
-                            <a:schemeClr val="tx1"/>
-                          </a:solidFill>
-                        </a:rPr>
-                        <a:t>1</a:t>
+                        <a:rPr lang="en-US" dirty="0" smtClean="0">
+                          <a:solidFill>
+                            <a:schemeClr val="tx1"/>
+                          </a:solidFill>
+                        </a:rPr>
+                        <a:t>T</a:t>
+                      </a:r>
+                      <a:endParaRPr lang="en-CA" dirty="0">
+                        <a:solidFill>
+                          <a:schemeClr val="tx1"/>
+                        </a:solidFill>
+                      </a:endParaRPr>
+                    </a:p>
+                  </a:txBody>
+                  <a:tcPr/>
+                </a:tc>
+                <a:tc>
+                  <a:txBody>
+                    <a:bodyPr/>
+                    <a:lstStyle/>
+                    <a:p>
+                      <a:pPr algn="ctr"/>
+                      <a:r>
+                        <a:rPr lang="en-US" dirty="0" smtClean="0">
+                          <a:solidFill>
+                            <a:schemeClr val="tx1"/>
+                          </a:solidFill>
+                        </a:rPr>
+                        <a:t>T</a:t>
+                      </a:r>
+                      <a:endParaRPr lang="en-CA" dirty="0">
+                        <a:solidFill>
+                          <a:schemeClr val="tx1"/>
+                        </a:solidFill>
+                      </a:endParaRPr>
+                    </a:p>
+                  </a:txBody>
+                  <a:tcPr/>
+                </a:tc>
+                <a:tc>
+                  <a:txBody>
+                    <a:bodyPr/>
+                    <a:lstStyle/>
+                    <a:p>
+                      <a:pPr algn="ctr"/>
+                      <a:r>
+                        <a:rPr lang="en-US" dirty="0" smtClean="0">
+                          <a:solidFill>
+                            <a:schemeClr val="tx1"/>
+                          </a:solidFill>
+                        </a:rPr>
+                        <a:t>T</a:t>
                       </a:r>
                       <a:endParaRPr lang="en-CA" dirty="0">
                         <a:solidFill>
@@ -24940,8 +24959,13 @@
             <a:pPr lvl="1"/>
             <a:r>
               <a:rPr lang="en-CA" dirty="0" smtClean="0"/>
-              <a:t>Otherwise false.</a:t>
+              <a:t>Otherwise </a:t>
             </a:r>
+            <a:r>
+              <a:rPr lang="en-CA" dirty="0" smtClean="0"/>
+              <a:t>F.</a:t>
+            </a:r>
+            <a:endParaRPr lang="en-CA" dirty="0" smtClean="0"/>
           </a:p>
         </p:txBody>
       </p:sp>
@@ -24955,7 +24979,7 @@
             <p:ph sz="half" idx="2"/>
             <p:extLst>
               <p:ext uri="{D42A27DB-BD31-4B8C-83A1-F6EECF244321}">
-                <p14:modId xmlns:p14="http://schemas.microsoft.com/office/powerpoint/2010/main" val="261505593"/>
+                <p14:modId xmlns:p14="http://schemas.microsoft.com/office/powerpoint/2010/main" val="3470521065"/>
               </p:ext>
             </p:extLst>
           </p:nvPr>
@@ -25054,58 +25078,58 @@
                     <a:p>
                       <a:pPr algn="ctr"/>
                       <a:r>
-                        <a:rPr lang="en-CA" dirty="0" smtClean="0">
-                          <a:solidFill>
-                            <a:schemeClr val="tx1"/>
-                          </a:solidFill>
-                        </a:rPr>
-                        <a:t>0</a:t>
-                      </a:r>
-                      <a:endParaRPr lang="en-CA" dirty="0">
-                        <a:solidFill>
-                          <a:schemeClr val="tx1"/>
-                        </a:solidFill>
-                      </a:endParaRPr>
-                    </a:p>
-                  </a:txBody>
-                  <a:tcPr/>
-                </a:tc>
-                <a:tc>
-                  <a:txBody>
-                    <a:bodyPr/>
-                    <a:lstStyle/>
-                    <a:p>
-                      <a:pPr algn="ctr"/>
-                      <a:r>
-                        <a:rPr lang="en-CA" dirty="0" smtClean="0">
-                          <a:solidFill>
-                            <a:schemeClr val="tx1"/>
-                          </a:solidFill>
-                        </a:rPr>
-                        <a:t>0</a:t>
-                      </a:r>
-                      <a:endParaRPr lang="en-CA" dirty="0">
-                        <a:solidFill>
-                          <a:schemeClr val="tx1"/>
-                        </a:solidFill>
-                      </a:endParaRPr>
-                    </a:p>
-                  </a:txBody>
-                  <a:tcPr/>
-                </a:tc>
-                <a:tc>
-                  <a:txBody>
-                    <a:bodyPr/>
-                    <a:lstStyle/>
-                    <a:p>
-                      <a:pPr algn="ctr"/>
-                      <a:r>
-                        <a:rPr lang="en-CA" dirty="0" smtClean="0">
-                          <a:solidFill>
-                            <a:schemeClr val="tx1"/>
-                          </a:solidFill>
-                        </a:rPr>
-                        <a:t>0</a:t>
+                        <a:rPr lang="en-US" dirty="0" smtClean="0">
+                          <a:solidFill>
+                            <a:schemeClr val="tx1"/>
+                          </a:solidFill>
+                        </a:rPr>
+                        <a:t>F</a:t>
+                      </a:r>
+                      <a:endParaRPr lang="en-CA" dirty="0">
+                        <a:solidFill>
+                          <a:schemeClr val="tx1"/>
+                        </a:solidFill>
+                      </a:endParaRPr>
+                    </a:p>
+                  </a:txBody>
+                  <a:tcPr/>
+                </a:tc>
+                <a:tc>
+                  <a:txBody>
+                    <a:bodyPr/>
+                    <a:lstStyle/>
+                    <a:p>
+                      <a:pPr algn="ctr"/>
+                      <a:r>
+                        <a:rPr lang="en-US" dirty="0" smtClean="0">
+                          <a:solidFill>
+                            <a:schemeClr val="tx1"/>
+                          </a:solidFill>
+                        </a:rPr>
+                        <a:t>F</a:t>
+                      </a:r>
+                      <a:endParaRPr lang="en-CA" dirty="0">
+                        <a:solidFill>
+                          <a:schemeClr val="tx1"/>
+                        </a:solidFill>
+                      </a:endParaRPr>
+                    </a:p>
+                  </a:txBody>
+                  <a:tcPr/>
+                </a:tc>
+                <a:tc>
+                  <a:txBody>
+                    <a:bodyPr/>
+                    <a:lstStyle/>
+                    <a:p>
+                      <a:pPr algn="ctr"/>
+                      <a:r>
+                        <a:rPr lang="en-US" dirty="0" smtClean="0">
+                          <a:solidFill>
+                            <a:schemeClr val="tx1"/>
+                          </a:solidFill>
+                        </a:rPr>
+                        <a:t>F</a:t>
                       </a:r>
                       <a:endParaRPr lang="en-CA" dirty="0">
                         <a:solidFill>
@@ -25125,58 +25149,58 @@
                     <a:p>
                       <a:pPr algn="ctr"/>
                       <a:r>
-                        <a:rPr lang="en-CA" dirty="0" smtClean="0">
-                          <a:solidFill>
-                            <a:schemeClr val="tx1"/>
-                          </a:solidFill>
-                        </a:rPr>
-                        <a:t>0</a:t>
-                      </a:r>
-                      <a:endParaRPr lang="en-CA" dirty="0">
-                        <a:solidFill>
-                          <a:schemeClr val="tx1"/>
-                        </a:solidFill>
-                      </a:endParaRPr>
-                    </a:p>
-                  </a:txBody>
-                  <a:tcPr/>
-                </a:tc>
-                <a:tc>
-                  <a:txBody>
-                    <a:bodyPr/>
-                    <a:lstStyle/>
-                    <a:p>
-                      <a:pPr algn="ctr"/>
-                      <a:r>
-                        <a:rPr lang="en-CA" dirty="0" smtClean="0">
-                          <a:solidFill>
-                            <a:schemeClr val="tx1"/>
-                          </a:solidFill>
-                        </a:rPr>
-                        <a:t>1</a:t>
-                      </a:r>
-                      <a:endParaRPr lang="en-CA" dirty="0">
-                        <a:solidFill>
-                          <a:schemeClr val="tx1"/>
-                        </a:solidFill>
-                      </a:endParaRPr>
-                    </a:p>
-                  </a:txBody>
-                  <a:tcPr/>
-                </a:tc>
-                <a:tc>
-                  <a:txBody>
-                    <a:bodyPr/>
-                    <a:lstStyle/>
-                    <a:p>
-                      <a:pPr algn="ctr"/>
-                      <a:r>
-                        <a:rPr lang="en-CA" dirty="0" smtClean="0">
-                          <a:solidFill>
-                            <a:schemeClr val="tx1"/>
-                          </a:solidFill>
-                        </a:rPr>
-                        <a:t>0</a:t>
+                        <a:rPr lang="en-US" dirty="0" smtClean="0">
+                          <a:solidFill>
+                            <a:schemeClr val="tx1"/>
+                          </a:solidFill>
+                        </a:rPr>
+                        <a:t>F</a:t>
+                      </a:r>
+                      <a:endParaRPr lang="en-CA" dirty="0">
+                        <a:solidFill>
+                          <a:schemeClr val="tx1"/>
+                        </a:solidFill>
+                      </a:endParaRPr>
+                    </a:p>
+                  </a:txBody>
+                  <a:tcPr/>
+                </a:tc>
+                <a:tc>
+                  <a:txBody>
+                    <a:bodyPr/>
+                    <a:lstStyle/>
+                    <a:p>
+                      <a:pPr algn="ctr"/>
+                      <a:r>
+                        <a:rPr lang="en-US" dirty="0" smtClean="0">
+                          <a:solidFill>
+                            <a:schemeClr val="tx1"/>
+                          </a:solidFill>
+                        </a:rPr>
+                        <a:t>T</a:t>
+                      </a:r>
+                      <a:endParaRPr lang="en-CA" dirty="0">
+                        <a:solidFill>
+                          <a:schemeClr val="tx1"/>
+                        </a:solidFill>
+                      </a:endParaRPr>
+                    </a:p>
+                  </a:txBody>
+                  <a:tcPr/>
+                </a:tc>
+                <a:tc>
+                  <a:txBody>
+                    <a:bodyPr/>
+                    <a:lstStyle/>
+                    <a:p>
+                      <a:pPr algn="ctr"/>
+                      <a:r>
+                        <a:rPr lang="en-US" dirty="0" smtClean="0">
+                          <a:solidFill>
+                            <a:schemeClr val="tx1"/>
+                          </a:solidFill>
+                        </a:rPr>
+                        <a:t>F</a:t>
                       </a:r>
                       <a:endParaRPr lang="en-CA" dirty="0">
                         <a:solidFill>
@@ -25196,58 +25220,58 @@
                     <a:p>
                       <a:pPr algn="ctr"/>
                       <a:r>
-                        <a:rPr lang="en-CA" dirty="0" smtClean="0">
-                          <a:solidFill>
-                            <a:schemeClr val="tx1"/>
-                          </a:solidFill>
-                        </a:rPr>
-                        <a:t>1</a:t>
-                      </a:r>
-                      <a:endParaRPr lang="en-CA" dirty="0">
-                        <a:solidFill>
-                          <a:schemeClr val="tx1"/>
-                        </a:solidFill>
-                      </a:endParaRPr>
-                    </a:p>
-                  </a:txBody>
-                  <a:tcPr/>
-                </a:tc>
-                <a:tc>
-                  <a:txBody>
-                    <a:bodyPr/>
-                    <a:lstStyle/>
-                    <a:p>
-                      <a:pPr algn="ctr"/>
-                      <a:r>
-                        <a:rPr lang="en-CA" dirty="0" smtClean="0">
-                          <a:solidFill>
-                            <a:schemeClr val="tx1"/>
-                          </a:solidFill>
-                        </a:rPr>
-                        <a:t>0</a:t>
-                      </a:r>
-                      <a:endParaRPr lang="en-CA" dirty="0">
-                        <a:solidFill>
-                          <a:schemeClr val="tx1"/>
-                        </a:solidFill>
-                      </a:endParaRPr>
-                    </a:p>
-                  </a:txBody>
-                  <a:tcPr/>
-                </a:tc>
-                <a:tc>
-                  <a:txBody>
-                    <a:bodyPr/>
-                    <a:lstStyle/>
-                    <a:p>
-                      <a:pPr algn="ctr"/>
-                      <a:r>
-                        <a:rPr lang="en-CA" dirty="0" smtClean="0">
-                          <a:solidFill>
-                            <a:schemeClr val="tx1"/>
-                          </a:solidFill>
-                        </a:rPr>
-                        <a:t>0</a:t>
+                        <a:rPr lang="en-US" dirty="0" smtClean="0">
+                          <a:solidFill>
+                            <a:schemeClr val="tx1"/>
+                          </a:solidFill>
+                        </a:rPr>
+                        <a:t>T</a:t>
+                      </a:r>
+                      <a:endParaRPr lang="en-CA" dirty="0">
+                        <a:solidFill>
+                          <a:schemeClr val="tx1"/>
+                        </a:solidFill>
+                      </a:endParaRPr>
+                    </a:p>
+                  </a:txBody>
+                  <a:tcPr/>
+                </a:tc>
+                <a:tc>
+                  <a:txBody>
+                    <a:bodyPr/>
+                    <a:lstStyle/>
+                    <a:p>
+                      <a:pPr algn="ctr"/>
+                      <a:r>
+                        <a:rPr lang="en-US" dirty="0" smtClean="0">
+                          <a:solidFill>
+                            <a:schemeClr val="tx1"/>
+                          </a:solidFill>
+                        </a:rPr>
+                        <a:t>F</a:t>
+                      </a:r>
+                      <a:endParaRPr lang="en-CA" dirty="0">
+                        <a:solidFill>
+                          <a:schemeClr val="tx1"/>
+                        </a:solidFill>
+                      </a:endParaRPr>
+                    </a:p>
+                  </a:txBody>
+                  <a:tcPr/>
+                </a:tc>
+                <a:tc>
+                  <a:txBody>
+                    <a:bodyPr/>
+                    <a:lstStyle/>
+                    <a:p>
+                      <a:pPr algn="ctr"/>
+                      <a:r>
+                        <a:rPr lang="en-US" dirty="0" smtClean="0">
+                          <a:solidFill>
+                            <a:schemeClr val="tx1"/>
+                          </a:solidFill>
+                        </a:rPr>
+                        <a:t>F</a:t>
                       </a:r>
                       <a:endParaRPr lang="en-CA" dirty="0">
                         <a:solidFill>
@@ -25267,58 +25291,58 @@
                     <a:p>
                       <a:pPr algn="ctr"/>
                       <a:r>
-                        <a:rPr lang="en-CA" dirty="0" smtClean="0">
-                          <a:solidFill>
-                            <a:schemeClr val="tx1"/>
-                          </a:solidFill>
-                        </a:rPr>
-                        <a:t>1</a:t>
-                      </a:r>
-                      <a:endParaRPr lang="en-CA" dirty="0">
-                        <a:solidFill>
-                          <a:schemeClr val="tx1"/>
-                        </a:solidFill>
-                      </a:endParaRPr>
-                    </a:p>
-                  </a:txBody>
-                  <a:tcPr/>
-                </a:tc>
-                <a:tc>
-                  <a:txBody>
-                    <a:bodyPr/>
-                    <a:lstStyle/>
-                    <a:p>
-                      <a:pPr algn="ctr"/>
-                      <a:r>
-                        <a:rPr lang="en-CA" dirty="0" smtClean="0">
-                          <a:solidFill>
-                            <a:schemeClr val="tx1"/>
-                          </a:solidFill>
-                        </a:rPr>
-                        <a:t>1</a:t>
-                      </a:r>
-                      <a:endParaRPr lang="en-CA" dirty="0">
-                        <a:solidFill>
-                          <a:schemeClr val="tx1"/>
-                        </a:solidFill>
-                      </a:endParaRPr>
-                    </a:p>
-                  </a:txBody>
-                  <a:tcPr/>
-                </a:tc>
-                <a:tc>
-                  <a:txBody>
-                    <a:bodyPr/>
-                    <a:lstStyle/>
-                    <a:p>
-                      <a:pPr algn="ctr"/>
-                      <a:r>
-                        <a:rPr lang="en-CA" dirty="0" smtClean="0">
-                          <a:solidFill>
-                            <a:schemeClr val="tx1"/>
-                          </a:solidFill>
-                        </a:rPr>
-                        <a:t>1</a:t>
+                        <a:rPr lang="en-US" dirty="0" smtClean="0">
+                          <a:solidFill>
+                            <a:schemeClr val="tx1"/>
+                          </a:solidFill>
+                        </a:rPr>
+                        <a:t>T</a:t>
+                      </a:r>
+                      <a:endParaRPr lang="en-CA" dirty="0">
+                        <a:solidFill>
+                          <a:schemeClr val="tx1"/>
+                        </a:solidFill>
+                      </a:endParaRPr>
+                    </a:p>
+                  </a:txBody>
+                  <a:tcPr/>
+                </a:tc>
+                <a:tc>
+                  <a:txBody>
+                    <a:bodyPr/>
+                    <a:lstStyle/>
+                    <a:p>
+                      <a:pPr algn="ctr"/>
+                      <a:r>
+                        <a:rPr lang="en-US" dirty="0" smtClean="0">
+                          <a:solidFill>
+                            <a:schemeClr val="tx1"/>
+                          </a:solidFill>
+                        </a:rPr>
+                        <a:t>T</a:t>
+                      </a:r>
+                      <a:endParaRPr lang="en-CA" dirty="0">
+                        <a:solidFill>
+                          <a:schemeClr val="tx1"/>
+                        </a:solidFill>
+                      </a:endParaRPr>
+                    </a:p>
+                  </a:txBody>
+                  <a:tcPr/>
+                </a:tc>
+                <a:tc>
+                  <a:txBody>
+                    <a:bodyPr/>
+                    <a:lstStyle/>
+                    <a:p>
+                      <a:pPr algn="ctr"/>
+                      <a:r>
+                        <a:rPr lang="en-US" dirty="0" smtClean="0">
+                          <a:solidFill>
+                            <a:schemeClr val="tx1"/>
+                          </a:solidFill>
+                        </a:rPr>
+                        <a:t>T</a:t>
                       </a:r>
                       <a:endParaRPr lang="en-CA" dirty="0">
                         <a:solidFill>
